--- a/Restaurant Revenue Prediction.pptx
+++ b/Restaurant Revenue Prediction.pptx
@@ -887,7 +887,16 @@
               <a:buNone/>
             </a:pPr>
             <a:r>
-              <a:t/>
+              <a:rPr lang="en"/>
+              <a:t>Our problem is about finding the right location for new </a:t>
+            </a:r>
+            <a:r>
+              <a:rPr lang="en"/>
+              <a:t>restaurant</a:t>
+            </a:r>
+            <a:r>
+              <a:rPr lang="en"/>
+              <a:t> open to increase the revenue </a:t>
             </a:r>
             <a:endParaRPr/>
           </a:p>
@@ -986,7 +995,19 @@
               <a:buNone/>
             </a:pPr>
             <a:r>
-              <a:t/>
+              <a:rPr lang="en"/>
+              <a:t>43 variables, </a:t>
+            </a:r>
+            <a:r>
+              <a:rPr lang="en" sz="1050">
+                <a:solidFill>
+                  <a:schemeClr val="dk1"/>
+                </a:solidFill>
+                <a:highlight>
+                  <a:srgbClr val="FFFFFF"/>
+                </a:highlight>
+              </a:rPr>
+              <a:t>Demographic data are gathered from third party providers with GIS systems. These include population in any given area, age and gender distribution, development scales. Real estate data mainly relate to the m2 of the location, front facade of the location, car park availability. Commercial data mainly include the existence of points of interest including schools, banks, other QSR operators.</a:t>
             </a:r>
             <a:endParaRPr/>
           </a:p>
@@ -1005,7 +1026,7 @@
   <p:cSld>
     <p:spTree>
       <p:nvGrpSpPr>
-        <p:cNvPr id="97" name="Shape 97"/>
+        <p:cNvPr id="98" name="Shape 98"/>
         <p:cNvGrpSpPr/>
         <p:nvPr/>
       </p:nvGrpSpPr>
@@ -1019,7 +1040,7 @@
       </p:grpSpPr>
       <p:sp>
         <p:nvSpPr>
-          <p:cNvPr id="98" name="Google Shape;98;g1248b19a854_0_0:notes"/>
+          <p:cNvPr id="99" name="Google Shape;99;g1248b19a854_0_0:notes"/>
           <p:cNvSpPr/>
           <p:nvPr>
             <p:ph idx="2" type="sldImg"/>
@@ -1054,7 +1075,7 @@
       </p:sp>
       <p:sp>
         <p:nvSpPr>
-          <p:cNvPr id="99" name="Google Shape;99;g1248b19a854_0_0:notes"/>
+          <p:cNvPr id="100" name="Google Shape;100;g1248b19a854_0_0:notes"/>
           <p:cNvSpPr txBox="1"/>
           <p:nvPr>
             <p:ph idx="1" type="body"/>
@@ -1085,7 +1106,8 @@
               <a:buNone/>
             </a:pPr>
             <a:r>
-              <a:t/>
+              <a:rPr lang="en"/>
+              <a:t>Barplot in of train data </a:t>
             </a:r>
             <a:endParaRPr/>
           </a:p>
@@ -1104,7 +1126,7 @@
   <p:cSld>
     <p:spTree>
       <p:nvGrpSpPr>
-        <p:cNvPr id="105" name="Shape 105"/>
+        <p:cNvPr id="106" name="Shape 106"/>
         <p:cNvGrpSpPr/>
         <p:nvPr/>
       </p:nvGrpSpPr>
@@ -1118,7 +1140,7 @@
       </p:grpSpPr>
       <p:sp>
         <p:nvSpPr>
-          <p:cNvPr id="106" name="Google Shape;106;g124b52c64ae_0_9:notes"/>
+          <p:cNvPr id="107" name="Google Shape;107;g124b52c64ae_0_9:notes"/>
           <p:cNvSpPr/>
           <p:nvPr>
             <p:ph idx="2" type="sldImg"/>
@@ -1153,7 +1175,7 @@
       </p:sp>
       <p:sp>
         <p:nvSpPr>
-          <p:cNvPr id="107" name="Google Shape;107;g124b52c64ae_0_9:notes"/>
+          <p:cNvPr id="108" name="Google Shape;108;g124b52c64ae_0_9:notes"/>
           <p:cNvSpPr txBox="1"/>
           <p:nvPr>
             <p:ph idx="1" type="body"/>
@@ -1203,7 +1225,7 @@
   <p:cSld>
     <p:spTree>
       <p:nvGrpSpPr>
-        <p:cNvPr id="111" name="Shape 111"/>
+        <p:cNvPr id="112" name="Shape 112"/>
         <p:cNvGrpSpPr/>
         <p:nvPr/>
       </p:nvGrpSpPr>
@@ -1217,7 +1239,7 @@
       </p:grpSpPr>
       <p:sp>
         <p:nvSpPr>
-          <p:cNvPr id="112" name="Google Shape;112;g124b52c64ae_0_1:notes"/>
+          <p:cNvPr id="113" name="Google Shape;113;g124b52c64ae_0_1:notes"/>
           <p:cNvSpPr/>
           <p:nvPr>
             <p:ph idx="2" type="sldImg"/>
@@ -1252,7 +1274,7 @@
       </p:sp>
       <p:sp>
         <p:nvSpPr>
-          <p:cNvPr id="113" name="Google Shape;113;g124b52c64ae_0_1:notes"/>
+          <p:cNvPr id="114" name="Google Shape;114;g124b52c64ae_0_1:notes"/>
           <p:cNvSpPr txBox="1"/>
           <p:nvPr>
             <p:ph idx="1" type="body"/>
@@ -1302,7 +1324,7 @@
   <p:cSld>
     <p:spTree>
       <p:nvGrpSpPr>
-        <p:cNvPr id="120" name="Shape 120"/>
+        <p:cNvPr id="121" name="Shape 121"/>
         <p:cNvGrpSpPr/>
         <p:nvPr/>
       </p:nvGrpSpPr>
@@ -1316,7 +1338,7 @@
       </p:grpSpPr>
       <p:sp>
         <p:nvSpPr>
-          <p:cNvPr id="121" name="Google Shape;121;g121b5307f61_0_79:notes"/>
+          <p:cNvPr id="122" name="Google Shape;122;g121b5307f61_0_79:notes"/>
           <p:cNvSpPr/>
           <p:nvPr>
             <p:ph idx="2" type="sldImg"/>
@@ -1351,7 +1373,7 @@
       </p:sp>
       <p:sp>
         <p:nvSpPr>
-          <p:cNvPr id="122" name="Google Shape;122;g121b5307f61_0_79:notes"/>
+          <p:cNvPr id="123" name="Google Shape;123;g121b5307f61_0_79:notes"/>
           <p:cNvSpPr txBox="1"/>
           <p:nvPr>
             <p:ph idx="1" type="body"/>
@@ -1402,7 +1424,7 @@
   <p:cSld>
     <p:spTree>
       <p:nvGrpSpPr>
-        <p:cNvPr id="127" name="Shape 127"/>
+        <p:cNvPr id="128" name="Shape 128"/>
         <p:cNvGrpSpPr/>
         <p:nvPr/>
       </p:nvGrpSpPr>
@@ -1416,7 +1438,7 @@
       </p:grpSpPr>
       <p:sp>
         <p:nvSpPr>
-          <p:cNvPr id="128" name="Google Shape;128;g121b5307f61_0_84:notes"/>
+          <p:cNvPr id="129" name="Google Shape;129;g121b5307f61_0_84:notes"/>
           <p:cNvSpPr/>
           <p:nvPr>
             <p:ph idx="2" type="sldImg"/>
@@ -1451,7 +1473,7 @@
       </p:sp>
       <p:sp>
         <p:nvSpPr>
-          <p:cNvPr id="129" name="Google Shape;129;g121b5307f61_0_84:notes"/>
+          <p:cNvPr id="130" name="Google Shape;130;g121b5307f61_0_84:notes"/>
           <p:cNvSpPr txBox="1"/>
           <p:nvPr>
             <p:ph idx="1" type="body"/>
@@ -1502,7 +1524,7 @@
   <p:cSld>
     <p:spTree>
       <p:nvGrpSpPr>
-        <p:cNvPr id="133" name="Shape 133"/>
+        <p:cNvPr id="134" name="Shape 134"/>
         <p:cNvGrpSpPr/>
         <p:nvPr/>
       </p:nvGrpSpPr>
@@ -1516,7 +1538,7 @@
       </p:grpSpPr>
       <p:sp>
         <p:nvSpPr>
-          <p:cNvPr id="134" name="Google Shape;134;g121b5307f61_0_94:notes"/>
+          <p:cNvPr id="135" name="Google Shape;135;g121b5307f61_0_94:notes"/>
           <p:cNvSpPr/>
           <p:nvPr>
             <p:ph idx="2" type="sldImg"/>
@@ -1551,7 +1573,7 @@
       </p:sp>
       <p:sp>
         <p:nvSpPr>
-          <p:cNvPr id="135" name="Google Shape;135;g121b5307f61_0_94:notes"/>
+          <p:cNvPr id="136" name="Google Shape;136;g121b5307f61_0_94:notes"/>
           <p:cNvSpPr txBox="1"/>
           <p:nvPr>
             <p:ph idx="1" type="body"/>
@@ -10069,7 +10091,29 @@
                   <a:srgbClr val="FFFFFF"/>
                 </a:highlight>
               </a:rPr>
-              <a:t>Type : FC (Food Court) , IL (Inline), DT (Drive Thru), MB (Mobile)</a:t>
+              <a:t>Type of </a:t>
+            </a:r>
+            <a:r>
+              <a:rPr lang="en">
+                <a:solidFill>
+                  <a:srgbClr val="24292F"/>
+                </a:solidFill>
+                <a:highlight>
+                  <a:srgbClr val="FFFFFF"/>
+                </a:highlight>
+              </a:rPr>
+              <a:t>restaurants</a:t>
+            </a:r>
+            <a:r>
+              <a:rPr lang="en">
+                <a:solidFill>
+                  <a:srgbClr val="24292F"/>
+                </a:solidFill>
+                <a:highlight>
+                  <a:srgbClr val="FFFFFF"/>
+                </a:highlight>
+              </a:rPr>
+              <a:t>: FC (Food Court) , IL (Inline), DT (Drive Thru), MB (Mobile)</a:t>
             </a:r>
             <a:endParaRPr>
               <a:solidFill>
@@ -10171,6 +10215,33 @@
           </a:p>
         </p:txBody>
       </p:sp>
+      <p:pic>
+        <p:nvPicPr>
+          <p:cNvPr id="97" name="Google Shape;97;p14"/>
+          <p:cNvPicPr preferRelativeResize="0"/>
+          <p:nvPr/>
+        </p:nvPicPr>
+        <p:blipFill rotWithShape="1">
+          <a:blip r:embed="rId3">
+            <a:alphaModFix/>
+          </a:blip>
+          <a:srcRect b="0" l="0" r="57621" t="5276"/>
+          <a:stretch/>
+        </p:blipFill>
+        <p:spPr>
+          <a:xfrm>
+            <a:off x="4957300" y="347550"/>
+            <a:ext cx="3874999" cy="2797000"/>
+          </a:xfrm>
+          <a:prstGeom prst="rect">
+            <a:avLst/>
+          </a:prstGeom>
+          <a:noFill/>
+          <a:ln>
+            <a:noFill/>
+          </a:ln>
+        </p:spPr>
+      </p:pic>
     </p:spTree>
   </p:cSld>
   <p:clrMapOvr>
@@ -10184,7 +10255,7 @@
   <p:cSld>
     <p:spTree>
       <p:nvGrpSpPr>
-        <p:cNvPr id="100" name="Shape 100"/>
+        <p:cNvPr id="101" name="Shape 101"/>
         <p:cNvGrpSpPr/>
         <p:nvPr/>
       </p:nvGrpSpPr>
@@ -10198,7 +10269,7 @@
       </p:grpSpPr>
       <p:sp>
         <p:nvSpPr>
-          <p:cNvPr id="101" name="Google Shape;101;p15"/>
+          <p:cNvPr id="102" name="Google Shape;102;p15"/>
           <p:cNvSpPr txBox="1"/>
           <p:nvPr>
             <p:ph type="title"/>
@@ -10246,7 +10317,7 @@
       </p:sp>
       <p:sp>
         <p:nvSpPr>
-          <p:cNvPr id="102" name="Google Shape;102;p15"/>
+          <p:cNvPr id="103" name="Google Shape;103;p15"/>
           <p:cNvSpPr txBox="1"/>
           <p:nvPr>
             <p:ph idx="1" type="body"/>
@@ -10285,7 +10356,7 @@
       </p:sp>
       <p:pic>
         <p:nvPicPr>
-          <p:cNvPr id="103" name="Google Shape;103;p15"/>
+          <p:cNvPr id="104" name="Google Shape;104;p15"/>
           <p:cNvPicPr preferRelativeResize="0"/>
           <p:nvPr/>
         </p:nvPicPr>
@@ -10299,8 +10370,8 @@
         </p:blipFill>
         <p:spPr>
           <a:xfrm>
-            <a:off x="93800" y="869887"/>
-            <a:ext cx="4649701" cy="3981575"/>
+            <a:off x="4743500" y="1019934"/>
+            <a:ext cx="4299274" cy="3681503"/>
           </a:xfrm>
           <a:prstGeom prst="rect">
             <a:avLst/>
@@ -10313,7 +10384,7 @@
       </p:pic>
       <p:pic>
         <p:nvPicPr>
-          <p:cNvPr id="104" name="Google Shape;104;p15"/>
+          <p:cNvPr id="105" name="Google Shape;105;p15"/>
           <p:cNvPicPr preferRelativeResize="0"/>
           <p:nvPr/>
         </p:nvPicPr>
@@ -10327,8 +10398,8 @@
         </p:blipFill>
         <p:spPr>
           <a:xfrm>
-            <a:off x="4743500" y="1019934"/>
-            <a:ext cx="4299274" cy="3681503"/>
+            <a:off x="311700" y="1041113"/>
+            <a:ext cx="4299276" cy="3639119"/>
           </a:xfrm>
           <a:prstGeom prst="rect">
             <a:avLst/>
@@ -10352,7 +10423,7 @@
   <p:cSld>
     <p:spTree>
       <p:nvGrpSpPr>
-        <p:cNvPr id="108" name="Shape 108"/>
+        <p:cNvPr id="109" name="Shape 109"/>
         <p:cNvGrpSpPr/>
         <p:nvPr/>
       </p:nvGrpSpPr>
@@ -10366,7 +10437,7 @@
       </p:grpSpPr>
       <p:sp>
         <p:nvSpPr>
-          <p:cNvPr id="109" name="Google Shape;109;p16"/>
+          <p:cNvPr id="110" name="Google Shape;110;p16"/>
           <p:cNvSpPr txBox="1"/>
           <p:nvPr>
             <p:ph type="title"/>
@@ -10406,7 +10477,7 @@
       </p:sp>
       <p:sp>
         <p:nvSpPr>
-          <p:cNvPr id="110" name="Google Shape;110;p16"/>
+          <p:cNvPr id="111" name="Google Shape;111;p16"/>
           <p:cNvSpPr txBox="1"/>
           <p:nvPr>
             <p:ph idx="1" type="body"/>
@@ -10652,7 +10723,7 @@
   <p:cSld>
     <p:spTree>
       <p:nvGrpSpPr>
-        <p:cNvPr id="114" name="Shape 114"/>
+        <p:cNvPr id="115" name="Shape 115"/>
         <p:cNvGrpSpPr/>
         <p:nvPr/>
       </p:nvGrpSpPr>
@@ -10666,7 +10737,7 @@
       </p:grpSpPr>
       <p:sp>
         <p:nvSpPr>
-          <p:cNvPr id="115" name="Google Shape;115;p17"/>
+          <p:cNvPr id="116" name="Google Shape;116;p17"/>
           <p:cNvSpPr txBox="1"/>
           <p:nvPr>
             <p:ph type="title"/>
@@ -10706,7 +10777,7 @@
       </p:sp>
       <p:pic>
         <p:nvPicPr>
-          <p:cNvPr id="116" name="Google Shape;116;p17"/>
+          <p:cNvPr id="117" name="Google Shape;117;p17"/>
           <p:cNvPicPr preferRelativeResize="0"/>
           <p:nvPr/>
         </p:nvPicPr>
@@ -10734,7 +10805,7 @@
       </p:pic>
       <p:sp>
         <p:nvSpPr>
-          <p:cNvPr id="117" name="Google Shape;117;p17"/>
+          <p:cNvPr id="118" name="Google Shape;118;p17"/>
           <p:cNvSpPr/>
           <p:nvPr/>
         </p:nvSpPr>
@@ -10781,7 +10852,7 @@
       </p:sp>
       <p:sp>
         <p:nvSpPr>
-          <p:cNvPr id="118" name="Google Shape;118;p17"/>
+          <p:cNvPr id="119" name="Google Shape;119;p17"/>
           <p:cNvSpPr/>
           <p:nvPr/>
         </p:nvSpPr>
@@ -10828,7 +10899,7 @@
       </p:sp>
       <p:sp>
         <p:nvSpPr>
-          <p:cNvPr id="119" name="Google Shape;119;p17"/>
+          <p:cNvPr id="120" name="Google Shape;120;p17"/>
           <p:cNvSpPr txBox="1"/>
           <p:nvPr>
             <p:ph idx="1" type="body"/>
@@ -10957,7 +11028,7 @@
   <p:cSld>
     <p:spTree>
       <p:nvGrpSpPr>
-        <p:cNvPr id="123" name="Shape 123"/>
+        <p:cNvPr id="124" name="Shape 124"/>
         <p:cNvGrpSpPr/>
         <p:nvPr/>
       </p:nvGrpSpPr>
@@ -10971,7 +11042,7 @@
       </p:grpSpPr>
       <p:sp>
         <p:nvSpPr>
-          <p:cNvPr id="124" name="Google Shape;124;p18"/>
+          <p:cNvPr id="125" name="Google Shape;125;p18"/>
           <p:cNvSpPr txBox="1"/>
           <p:nvPr>
             <p:ph type="title"/>
@@ -11011,7 +11082,7 @@
       </p:sp>
       <p:sp>
         <p:nvSpPr>
-          <p:cNvPr id="125" name="Google Shape;125;p18"/>
+          <p:cNvPr id="126" name="Google Shape;126;p18"/>
           <p:cNvSpPr txBox="1"/>
           <p:nvPr>
             <p:ph idx="1" type="body"/>
@@ -11284,7 +11355,7 @@
       </p:sp>
       <p:pic>
         <p:nvPicPr>
-          <p:cNvPr id="126" name="Google Shape;126;p18"/>
+          <p:cNvPr id="127" name="Google Shape;127;p18"/>
           <p:cNvPicPr preferRelativeResize="0"/>
           <p:nvPr/>
         </p:nvPicPr>
@@ -11323,7 +11394,7 @@
   <p:cSld>
     <p:spTree>
       <p:nvGrpSpPr>
-        <p:cNvPr id="130" name="Shape 130"/>
+        <p:cNvPr id="131" name="Shape 131"/>
         <p:cNvGrpSpPr/>
         <p:nvPr/>
       </p:nvGrpSpPr>
@@ -11337,7 +11408,7 @@
       </p:grpSpPr>
       <p:sp>
         <p:nvSpPr>
-          <p:cNvPr id="131" name="Google Shape;131;p19"/>
+          <p:cNvPr id="132" name="Google Shape;132;p19"/>
           <p:cNvSpPr txBox="1"/>
           <p:nvPr>
             <p:ph type="title"/>
@@ -11377,7 +11448,7 @@
       </p:sp>
       <p:sp>
         <p:nvSpPr>
-          <p:cNvPr id="132" name="Google Shape;132;p19"/>
+          <p:cNvPr id="133" name="Google Shape;133;p19"/>
           <p:cNvSpPr txBox="1"/>
           <p:nvPr>
             <p:ph idx="1" type="body"/>
@@ -11640,7 +11711,7 @@
   <p:cSld>
     <p:spTree>
       <p:nvGrpSpPr>
-        <p:cNvPr id="136" name="Shape 136"/>
+        <p:cNvPr id="137" name="Shape 137"/>
         <p:cNvGrpSpPr/>
         <p:nvPr/>
       </p:nvGrpSpPr>
@@ -11654,7 +11725,7 @@
       </p:grpSpPr>
       <p:sp>
         <p:nvSpPr>
-          <p:cNvPr id="137" name="Google Shape;137;p20"/>
+          <p:cNvPr id="138" name="Google Shape;138;p20"/>
           <p:cNvSpPr txBox="1"/>
           <p:nvPr>
             <p:ph type="title"/>
@@ -11694,7 +11765,7 @@
       </p:sp>
       <p:sp>
         <p:nvSpPr>
-          <p:cNvPr id="138" name="Google Shape;138;p20"/>
+          <p:cNvPr id="139" name="Google Shape;139;p20"/>
           <p:cNvSpPr txBox="1"/>
           <p:nvPr>
             <p:ph idx="1" type="body"/>
